--- a/AICTE PPT.pptx
+++ b/AICTE PPT.pptx
@@ -4757,7 +4757,7 @@
           <a:p>
             <a:r>
               <a:rPr lang="en-IN" dirty="0"/>
-              <a:t>Make sure that there should be readme file</a:t>
+              <a:t>https://github.com/AnuragU03/AICTE-Project.git</a:t>
             </a:r>
           </a:p>
         </p:txBody>
